--- a/trunk/ iglesia --username adrianfols/Escuela Dominical/12 personajes/PPTs/El Rebelde Absalón.pptx
+++ b/trunk/ iglesia --username adrianfols/Escuela Dominical/12 personajes/PPTs/El Rebelde Absalón.pptx
@@ -20,6 +20,11 @@
     <p:sldId id="267" r:id="rId14"/>
     <p:sldId id="269" r:id="rId15"/>
     <p:sldId id="270" r:id="rId16"/>
+    <p:sldId id="271" r:id="rId17"/>
+    <p:sldId id="272" r:id="rId18"/>
+    <p:sldId id="273" r:id="rId19"/>
+    <p:sldId id="274" r:id="rId20"/>
+    <p:sldId id="275" r:id="rId21"/>
   </p:sldIdLst>
   <p:sldSz cx="9144000" cy="6858000" type="screen4x3"/>
   <p:notesSz cx="6858000" cy="9144000"/>
@@ -2878,7 +2883,7 @@
           <a:p>
             <a:fld id="{2E5B0A69-D8A8-43A5-A7F9-1A2E92DBC4E0}" type="datetimeFigureOut">
               <a:rPr lang="es-AR" smtClean="0"/>
-              <a:t>27/10/2012</a:t>
+              <a:t>04/11/2012</a:t>
             </a:fld>
             <a:endParaRPr lang="es-AR"/>
           </a:p>
@@ -3163,7 +3168,7 @@
           <a:p>
             <a:fld id="{2E5B0A69-D8A8-43A5-A7F9-1A2E92DBC4E0}" type="datetimeFigureOut">
               <a:rPr lang="es-AR" smtClean="0"/>
-              <a:t>27/10/2012</a:t>
+              <a:t>04/11/2012</a:t>
             </a:fld>
             <a:endParaRPr lang="es-AR"/>
           </a:p>
@@ -3338,7 +3343,7 @@
           <a:p>
             <a:fld id="{2E5B0A69-D8A8-43A5-A7F9-1A2E92DBC4E0}" type="datetimeFigureOut">
               <a:rPr lang="es-AR" smtClean="0"/>
-              <a:t>27/10/2012</a:t>
+              <a:t>04/11/2012</a:t>
             </a:fld>
             <a:endParaRPr lang="es-AR"/>
           </a:p>
@@ -3503,7 +3508,7 @@
           <a:p>
             <a:fld id="{2E5B0A69-D8A8-43A5-A7F9-1A2E92DBC4E0}" type="datetimeFigureOut">
               <a:rPr lang="es-AR" smtClean="0"/>
-              <a:t>27/10/2012</a:t>
+              <a:t>04/11/2012</a:t>
             </a:fld>
             <a:endParaRPr lang="es-AR"/>
           </a:p>
@@ -3744,7 +3749,7 @@
           <a:p>
             <a:fld id="{2E5B0A69-D8A8-43A5-A7F9-1A2E92DBC4E0}" type="datetimeFigureOut">
               <a:rPr lang="es-AR" smtClean="0"/>
-              <a:t>27/10/2012</a:t>
+              <a:t>04/11/2012</a:t>
             </a:fld>
             <a:endParaRPr lang="es-AR"/>
           </a:p>
@@ -3857,7 +3862,7 @@
           <a:p>
             <a:fld id="{2E5B0A69-D8A8-43A5-A7F9-1A2E92DBC4E0}" type="datetimeFigureOut">
               <a:rPr lang="es-AR" smtClean="0"/>
-              <a:t>27/10/2012</a:t>
+              <a:t>04/11/2012</a:t>
             </a:fld>
             <a:endParaRPr lang="es-AR"/>
           </a:p>
@@ -4396,7 +4401,7 @@
           <a:p>
             <a:fld id="{2E5B0A69-D8A8-43A5-A7F9-1A2E92DBC4E0}" type="datetimeFigureOut">
               <a:rPr lang="es-AR" smtClean="0"/>
-              <a:t>27/10/2012</a:t>
+              <a:t>04/11/2012</a:t>
             </a:fld>
             <a:endParaRPr lang="es-AR"/>
           </a:p>
@@ -4509,7 +4514,7 @@
           <a:p>
             <a:fld id="{2E5B0A69-D8A8-43A5-A7F9-1A2E92DBC4E0}" type="datetimeFigureOut">
               <a:rPr lang="es-AR" smtClean="0"/>
-              <a:t>27/10/2012</a:t>
+              <a:t>04/11/2012</a:t>
             </a:fld>
             <a:endParaRPr lang="es-AR"/>
           </a:p>
@@ -4599,7 +4604,7 @@
           <a:p>
             <a:fld id="{2E5B0A69-D8A8-43A5-A7F9-1A2E92DBC4E0}" type="datetimeFigureOut">
               <a:rPr lang="es-AR" smtClean="0"/>
-              <a:t>27/10/2012</a:t>
+              <a:t>04/11/2012</a:t>
             </a:fld>
             <a:endParaRPr lang="es-AR"/>
           </a:p>
@@ -7250,7 +7255,7 @@
           <a:p>
             <a:fld id="{2E5B0A69-D8A8-43A5-A7F9-1A2E92DBC4E0}" type="datetimeFigureOut">
               <a:rPr lang="es-AR" smtClean="0"/>
-              <a:t>27/10/2012</a:t>
+              <a:t>04/11/2012</a:t>
             </a:fld>
             <a:endParaRPr lang="es-AR"/>
           </a:p>
@@ -10462,7 +10467,7 @@
           <a:p>
             <a:fld id="{2E5B0A69-D8A8-43A5-A7F9-1A2E92DBC4E0}" type="datetimeFigureOut">
               <a:rPr lang="es-AR" smtClean="0"/>
-              <a:t>27/10/2012</a:t>
+              <a:t>04/11/2012</a:t>
             </a:fld>
             <a:endParaRPr lang="es-AR"/>
           </a:p>
@@ -13284,7 +13289,7 @@
           <a:p>
             <a:fld id="{2E5B0A69-D8A8-43A5-A7F9-1A2E92DBC4E0}" type="datetimeFigureOut">
               <a:rPr lang="es-AR" smtClean="0"/>
-              <a:t>27/10/2012</a:t>
+              <a:t>04/11/2012</a:t>
             </a:fld>
             <a:endParaRPr lang="es-AR"/>
           </a:p>
@@ -14183,7 +14188,6 @@
               <a:rPr lang="es-AR" b="1" dirty="0" smtClean="0"/>
               <a:t>rebelde</a:t>
             </a:r>
-            <a:endParaRPr lang="es-AR" b="1" dirty="0" smtClean="0"/>
           </a:p>
           <a:p>
             <a:pPr marL="68580" indent="0">
@@ -14547,7 +14551,6 @@
               <a:rPr lang="es-AR" b="1" dirty="0" smtClean="0"/>
               <a:t>¿Por qué cree que dice eso?</a:t>
             </a:r>
-            <a:endParaRPr lang="es-AR" b="1" dirty="0" smtClean="0"/>
           </a:p>
           <a:p>
             <a:pPr marL="68580" indent="0">
@@ -14850,7 +14853,6 @@
               <a:rPr lang="es-AR" dirty="0" smtClean="0"/>
               <a:t> en su complot.</a:t>
             </a:r>
-            <a:endParaRPr lang="es-AR" dirty="0" smtClean="0"/>
           </a:p>
           <a:p>
             <a:pPr marL="68580" indent="0">
@@ -15154,6 +15156,1167 @@
         <p:cTn id="1" dur="indefinite" restart="never" nodeType="tmRoot"/>
       </p:par>
     </p:tnLst>
+  </p:timing>
+</p:sld>
+</file>
+
+<file path=ppt/slides/slide16.xml><?xml version="1.0" encoding="utf-8"?>
+<p:sld xmlns:a="http://schemas.openxmlformats.org/drawingml/2006/main" xmlns:r="http://schemas.openxmlformats.org/officeDocument/2006/relationships" xmlns:p="http://schemas.openxmlformats.org/presentationml/2006/main">
+  <p:cSld>
+    <p:spTree>
+      <p:nvGrpSpPr>
+        <p:cNvPr id="1" name=""/>
+        <p:cNvGrpSpPr/>
+        <p:nvPr/>
+      </p:nvGrpSpPr>
+      <p:grpSpPr>
+        <a:xfrm>
+          <a:off x="0" y="0"/>
+          <a:ext cx="0" cy="0"/>
+          <a:chOff x="0" y="0"/>
+          <a:chExt cx="0" cy="0"/>
+        </a:xfrm>
+      </p:grpSpPr>
+      <p:sp>
+        <p:nvSpPr>
+          <p:cNvPr id="2" name="1 Título"/>
+          <p:cNvSpPr>
+            <a:spLocks noGrp="1"/>
+          </p:cNvSpPr>
+          <p:nvPr>
+            <p:ph type="title"/>
+          </p:nvPr>
+        </p:nvSpPr>
+        <p:spPr>
+          <a:xfrm>
+            <a:off x="899592" y="764704"/>
+            <a:ext cx="7024744" cy="648072"/>
+          </a:xfrm>
+        </p:spPr>
+        <p:txBody>
+          <a:bodyPr>
+            <a:normAutofit fontScale="90000"/>
+          </a:bodyPr>
+          <a:lstStyle/>
+          <a:p>
+            <a:r>
+              <a:rPr lang="es-AR" b="1" dirty="0" smtClean="0"/>
+              <a:t>La Gran Rebelión</a:t>
+            </a:r>
+            <a:endParaRPr lang="es-AR" dirty="0"/>
+          </a:p>
+        </p:txBody>
+      </p:sp>
+      <p:sp>
+        <p:nvSpPr>
+          <p:cNvPr id="3" name="2 Marcador de contenido"/>
+          <p:cNvSpPr>
+            <a:spLocks noGrp="1"/>
+          </p:cNvSpPr>
+          <p:nvPr>
+            <p:ph idx="1"/>
+          </p:nvPr>
+        </p:nvSpPr>
+        <p:spPr>
+          <a:xfrm>
+            <a:off x="1115616" y="2060848"/>
+            <a:ext cx="6777317" cy="3220945"/>
+          </a:xfrm>
+        </p:spPr>
+        <p:txBody>
+          <a:bodyPr>
+            <a:noAutofit/>
+          </a:bodyPr>
+          <a:lstStyle/>
+          <a:p>
+            <a:r>
+              <a:rPr lang="es-AR" dirty="0" smtClean="0"/>
+              <a:t>Absalón trama un complot contra su padre y quiere ser proclamado Rey en Hebrón.</a:t>
+            </a:r>
+          </a:p>
+          <a:p>
+            <a:r>
+              <a:rPr lang="es-AR" dirty="0" err="1" smtClean="0"/>
+              <a:t>Absalon</a:t>
+            </a:r>
+            <a:r>
+              <a:rPr lang="es-AR" dirty="0" smtClean="0"/>
+              <a:t> no respetaba la autoridad</a:t>
+            </a:r>
+          </a:p>
+          <a:p>
+            <a:r>
+              <a:rPr lang="es-AR" dirty="0" err="1" smtClean="0"/>
+              <a:t>Absalon</a:t>
+            </a:r>
+            <a:r>
+              <a:rPr lang="es-AR" dirty="0" smtClean="0"/>
+              <a:t> quería ser su propio rey</a:t>
+            </a:r>
+            <a:endParaRPr lang="es-AR" dirty="0" smtClean="0"/>
+          </a:p>
+          <a:p>
+            <a:pPr marL="68580" indent="0">
+              <a:buNone/>
+            </a:pPr>
+            <a:endParaRPr lang="es-AR" b="1" u="sng" dirty="0"/>
+          </a:p>
+        </p:txBody>
+      </p:sp>
+    </p:spTree>
+    <p:extLst>
+      <p:ext uri="{BB962C8B-B14F-4D97-AF65-F5344CB8AC3E}">
+        <p14:creationId xmlns:p14="http://schemas.microsoft.com/office/powerpoint/2010/main" val="4061170758"/>
+      </p:ext>
+    </p:extLst>
+  </p:cSld>
+  <p:clrMapOvr>
+    <a:masterClrMapping/>
+  </p:clrMapOvr>
+  <p:timing>
+    <p:tnLst>
+      <p:par>
+        <p:cTn id="1" dur="indefinite" restart="never" nodeType="tmRoot">
+          <p:childTnLst>
+            <p:seq concurrent="1" nextAc="seek">
+              <p:cTn id="2" dur="indefinite" nodeType="mainSeq">
+                <p:childTnLst>
+                  <p:par>
+                    <p:cTn id="3" fill="hold">
+                      <p:stCondLst>
+                        <p:cond delay="indefinite"/>
+                      </p:stCondLst>
+                      <p:childTnLst>
+                        <p:par>
+                          <p:cTn id="4" fill="hold">
+                            <p:stCondLst>
+                              <p:cond delay="0"/>
+                            </p:stCondLst>
+                            <p:childTnLst>
+                              <p:par>
+                                <p:cTn id="5" presetID="1" presetClass="entr" presetSubtype="0" fill="hold" grpId="0" nodeType="clickEffect">
+                                  <p:stCondLst>
+                                    <p:cond delay="0"/>
+                                  </p:stCondLst>
+                                  <p:childTnLst>
+                                    <p:set>
+                                      <p:cBhvr>
+                                        <p:cTn id="6" dur="1" fill="hold">
+                                          <p:stCondLst>
+                                            <p:cond delay="0"/>
+                                          </p:stCondLst>
+                                        </p:cTn>
+                                        <p:tgtEl>
+                                          <p:spTgt spid="3">
+                                            <p:txEl>
+                                              <p:pRg st="0" end="0"/>
+                                            </p:txEl>
+                                          </p:spTgt>
+                                        </p:tgtEl>
+                                        <p:attrNameLst>
+                                          <p:attrName>style.visibility</p:attrName>
+                                        </p:attrNameLst>
+                                      </p:cBhvr>
+                                      <p:to>
+                                        <p:strVal val="visible"/>
+                                      </p:to>
+                                    </p:set>
+                                  </p:childTnLst>
+                                </p:cTn>
+                              </p:par>
+                            </p:childTnLst>
+                          </p:cTn>
+                        </p:par>
+                      </p:childTnLst>
+                    </p:cTn>
+                  </p:par>
+                  <p:par>
+                    <p:cTn id="7" fill="hold">
+                      <p:stCondLst>
+                        <p:cond delay="indefinite"/>
+                      </p:stCondLst>
+                      <p:childTnLst>
+                        <p:par>
+                          <p:cTn id="8" fill="hold">
+                            <p:stCondLst>
+                              <p:cond delay="0"/>
+                            </p:stCondLst>
+                            <p:childTnLst>
+                              <p:par>
+                                <p:cTn id="9" presetID="1" presetClass="entr" presetSubtype="0" fill="hold" grpId="0" nodeType="clickEffect">
+                                  <p:stCondLst>
+                                    <p:cond delay="0"/>
+                                  </p:stCondLst>
+                                  <p:childTnLst>
+                                    <p:set>
+                                      <p:cBhvr>
+                                        <p:cTn id="10" dur="1" fill="hold">
+                                          <p:stCondLst>
+                                            <p:cond delay="0"/>
+                                          </p:stCondLst>
+                                        </p:cTn>
+                                        <p:tgtEl>
+                                          <p:spTgt spid="3">
+                                            <p:txEl>
+                                              <p:pRg st="1" end="1"/>
+                                            </p:txEl>
+                                          </p:spTgt>
+                                        </p:tgtEl>
+                                        <p:attrNameLst>
+                                          <p:attrName>style.visibility</p:attrName>
+                                        </p:attrNameLst>
+                                      </p:cBhvr>
+                                      <p:to>
+                                        <p:strVal val="visible"/>
+                                      </p:to>
+                                    </p:set>
+                                  </p:childTnLst>
+                                </p:cTn>
+                              </p:par>
+                            </p:childTnLst>
+                          </p:cTn>
+                        </p:par>
+                      </p:childTnLst>
+                    </p:cTn>
+                  </p:par>
+                  <p:par>
+                    <p:cTn id="11" fill="hold">
+                      <p:stCondLst>
+                        <p:cond delay="indefinite"/>
+                      </p:stCondLst>
+                      <p:childTnLst>
+                        <p:par>
+                          <p:cTn id="12" fill="hold">
+                            <p:stCondLst>
+                              <p:cond delay="0"/>
+                            </p:stCondLst>
+                            <p:childTnLst>
+                              <p:par>
+                                <p:cTn id="13" presetID="1" presetClass="entr" presetSubtype="0" fill="hold" grpId="0" nodeType="clickEffect">
+                                  <p:stCondLst>
+                                    <p:cond delay="0"/>
+                                  </p:stCondLst>
+                                  <p:childTnLst>
+                                    <p:set>
+                                      <p:cBhvr>
+                                        <p:cTn id="14" dur="1" fill="hold">
+                                          <p:stCondLst>
+                                            <p:cond delay="0"/>
+                                          </p:stCondLst>
+                                        </p:cTn>
+                                        <p:tgtEl>
+                                          <p:spTgt spid="3">
+                                            <p:txEl>
+                                              <p:pRg st="2" end="2"/>
+                                            </p:txEl>
+                                          </p:spTgt>
+                                        </p:tgtEl>
+                                        <p:attrNameLst>
+                                          <p:attrName>style.visibility</p:attrName>
+                                        </p:attrNameLst>
+                                      </p:cBhvr>
+                                      <p:to>
+                                        <p:strVal val="visible"/>
+                                      </p:to>
+                                    </p:set>
+                                  </p:childTnLst>
+                                </p:cTn>
+                              </p:par>
+                            </p:childTnLst>
+                          </p:cTn>
+                        </p:par>
+                      </p:childTnLst>
+                    </p:cTn>
+                  </p:par>
+                </p:childTnLst>
+              </p:cTn>
+              <p:prevCondLst>
+                <p:cond evt="onPrev" delay="0">
+                  <p:tgtEl>
+                    <p:sldTgt/>
+                  </p:tgtEl>
+                </p:cond>
+              </p:prevCondLst>
+              <p:nextCondLst>
+                <p:cond evt="onNext" delay="0">
+                  <p:tgtEl>
+                    <p:sldTgt/>
+                  </p:tgtEl>
+                </p:cond>
+              </p:nextCondLst>
+            </p:seq>
+          </p:childTnLst>
+        </p:cTn>
+      </p:par>
+    </p:tnLst>
+    <p:bldLst>
+      <p:bldP spid="3" grpId="0" build="p"/>
+    </p:bldLst>
+  </p:timing>
+</p:sld>
+</file>
+
+<file path=ppt/slides/slide17.xml><?xml version="1.0" encoding="utf-8"?>
+<p:sld xmlns:a="http://schemas.openxmlformats.org/drawingml/2006/main" xmlns:r="http://schemas.openxmlformats.org/officeDocument/2006/relationships" xmlns:p="http://schemas.openxmlformats.org/presentationml/2006/main">
+  <p:cSld>
+    <p:spTree>
+      <p:nvGrpSpPr>
+        <p:cNvPr id="1" name=""/>
+        <p:cNvGrpSpPr/>
+        <p:nvPr/>
+      </p:nvGrpSpPr>
+      <p:grpSpPr>
+        <a:xfrm>
+          <a:off x="0" y="0"/>
+          <a:ext cx="0" cy="0"/>
+          <a:chOff x="0" y="0"/>
+          <a:chExt cx="0" cy="0"/>
+        </a:xfrm>
+      </p:grpSpPr>
+      <p:pic>
+        <p:nvPicPr>
+          <p:cNvPr id="2050" name="Imagen 1"/>
+          <p:cNvPicPr>
+            <a:picLocks noChangeAspect="1" noChangeArrowheads="1"/>
+          </p:cNvPicPr>
+          <p:nvPr/>
+        </p:nvPicPr>
+        <p:blipFill>
+          <a:blip r:embed="rId2">
+            <a:extLst>
+              <a:ext uri="{28A0092B-C50C-407E-A947-70E740481C1C}">
+                <a14:useLocalDpi xmlns:a14="http://schemas.microsoft.com/office/drawing/2010/main" val="0"/>
+              </a:ext>
+            </a:extLst>
+          </a:blip>
+          <a:srcRect/>
+          <a:stretch>
+            <a:fillRect/>
+          </a:stretch>
+        </p:blipFill>
+        <p:spPr bwMode="auto">
+          <a:xfrm>
+            <a:off x="683568" y="2213033"/>
+            <a:ext cx="2137125" cy="2575060"/>
+          </a:xfrm>
+          <a:prstGeom prst="rect">
+            <a:avLst/>
+          </a:prstGeom>
+          <a:noFill/>
+          <a:extLst>
+            <a:ext uri="{909E8E84-426E-40DD-AFC4-6F175D3DCCD1}">
+              <a14:hiddenFill xmlns:a14="http://schemas.microsoft.com/office/drawing/2010/main">
+                <a:solidFill>
+                  <a:srgbClr val="FFFFFF"/>
+                </a:solidFill>
+              </a14:hiddenFill>
+            </a:ext>
+          </a:extLst>
+        </p:spPr>
+      </p:pic>
+      <p:sp>
+        <p:nvSpPr>
+          <p:cNvPr id="7" name="6 Llamada ovalada"/>
+          <p:cNvSpPr/>
+          <p:nvPr/>
+        </p:nvSpPr>
+        <p:spPr>
+          <a:xfrm>
+            <a:off x="3275856" y="1124744"/>
+            <a:ext cx="5400600" cy="4392488"/>
+          </a:xfrm>
+          <a:prstGeom prst="wedgeEllipseCallout">
+            <a:avLst>
+              <a:gd name="adj1" fmla="val -64003"/>
+              <a:gd name="adj2" fmla="val 11388"/>
+            </a:avLst>
+          </a:prstGeom>
+        </p:spPr>
+        <p:style>
+          <a:lnRef idx="2">
+            <a:schemeClr val="accent1">
+              <a:shade val="50000"/>
+            </a:schemeClr>
+          </a:lnRef>
+          <a:fillRef idx="1">
+            <a:schemeClr val="accent1"/>
+          </a:fillRef>
+          <a:effectRef idx="0">
+            <a:schemeClr val="accent1"/>
+          </a:effectRef>
+          <a:fontRef idx="minor">
+            <a:schemeClr val="lt1"/>
+          </a:fontRef>
+        </p:style>
+        <p:txBody>
+          <a:bodyPr rtlCol="0" anchor="ctr"/>
+          <a:lstStyle/>
+          <a:p>
+            <a:pPr algn="ctr"/>
+            <a:r>
+              <a:rPr lang="es-MX" sz="2000" b="1" dirty="0"/>
+              <a:t>“Quiero ser mi propio rey.</a:t>
+            </a:r>
+            <a:endParaRPr lang="es-AR" sz="2000" b="1" dirty="0"/>
+          </a:p>
+          <a:p>
+            <a:pPr algn="ctr"/>
+            <a:r>
+              <a:rPr lang="es-MX" sz="2000" b="1" dirty="0">
+                <a:solidFill>
+                  <a:srgbClr val="FFFF00"/>
+                </a:solidFill>
+              </a:rPr>
+              <a:t>No quiero que nadie me mande</a:t>
+            </a:r>
+            <a:endParaRPr lang="es-AR" sz="2000" b="1" dirty="0">
+              <a:solidFill>
+                <a:srgbClr val="FFFF00"/>
+              </a:solidFill>
+            </a:endParaRPr>
+          </a:p>
+          <a:p>
+            <a:pPr algn="ctr"/>
+            <a:r>
+              <a:rPr lang="es-MX" sz="2000" b="1" dirty="0"/>
+              <a:t>No quiero que nadie me diga lo que tengo que hacer</a:t>
+            </a:r>
+            <a:endParaRPr lang="es-AR" sz="2000" b="1" dirty="0"/>
+          </a:p>
+          <a:p>
+            <a:pPr algn="ctr"/>
+            <a:r>
+              <a:rPr lang="es-MX" sz="2000" b="1" dirty="0">
+                <a:solidFill>
+                  <a:srgbClr val="FFFF00"/>
+                </a:solidFill>
+              </a:rPr>
+              <a:t>Quiero hacer lo que me de la gana</a:t>
+            </a:r>
+            <a:endParaRPr lang="es-AR" sz="2000" b="1" dirty="0">
+              <a:solidFill>
+                <a:srgbClr val="FFFF00"/>
+              </a:solidFill>
+            </a:endParaRPr>
+          </a:p>
+          <a:p>
+            <a:pPr algn="ctr"/>
+            <a:r>
+              <a:rPr lang="es-MX" sz="2000" b="1" dirty="0"/>
+              <a:t>No quiero que ni Dios ni algún hombre me de órdenes</a:t>
+            </a:r>
+            <a:endParaRPr lang="es-AR" sz="2000" b="1" dirty="0"/>
+          </a:p>
+          <a:p>
+            <a:pPr algn="ctr"/>
+            <a:r>
+              <a:rPr lang="es-MX" sz="2000" b="1" dirty="0">
+                <a:solidFill>
+                  <a:srgbClr val="FFFF00"/>
+                </a:solidFill>
+              </a:rPr>
+              <a:t>Quiero ser mi propio rey</a:t>
+            </a:r>
+            <a:endParaRPr lang="es-AR" sz="2000" b="1" dirty="0">
+              <a:solidFill>
+                <a:srgbClr val="FFFF00"/>
+              </a:solidFill>
+            </a:endParaRPr>
+          </a:p>
+        </p:txBody>
+      </p:sp>
+    </p:spTree>
+    <p:extLst>
+      <p:ext uri="{BB962C8B-B14F-4D97-AF65-F5344CB8AC3E}">
+        <p14:creationId xmlns:p14="http://schemas.microsoft.com/office/powerpoint/2010/main" val="4053273946"/>
+      </p:ext>
+    </p:extLst>
+  </p:cSld>
+  <p:clrMapOvr>
+    <a:masterClrMapping/>
+  </p:clrMapOvr>
+  <p:timing>
+    <p:tnLst>
+      <p:par>
+        <p:cTn id="1" dur="indefinite" restart="never" nodeType="tmRoot"/>
+      </p:par>
+    </p:tnLst>
+  </p:timing>
+</p:sld>
+</file>
+
+<file path=ppt/slides/slide18.xml><?xml version="1.0" encoding="utf-8"?>
+<p:sld xmlns:a="http://schemas.openxmlformats.org/drawingml/2006/main" xmlns:r="http://schemas.openxmlformats.org/officeDocument/2006/relationships" xmlns:p="http://schemas.openxmlformats.org/presentationml/2006/main">
+  <p:cSld>
+    <p:spTree>
+      <p:nvGrpSpPr>
+        <p:cNvPr id="1" name=""/>
+        <p:cNvGrpSpPr/>
+        <p:nvPr/>
+      </p:nvGrpSpPr>
+      <p:grpSpPr>
+        <a:xfrm>
+          <a:off x="0" y="0"/>
+          <a:ext cx="0" cy="0"/>
+          <a:chOff x="0" y="0"/>
+          <a:chExt cx="0" cy="0"/>
+        </a:xfrm>
+      </p:grpSpPr>
+      <p:sp>
+        <p:nvSpPr>
+          <p:cNvPr id="2" name="1 Título"/>
+          <p:cNvSpPr>
+            <a:spLocks noGrp="1"/>
+          </p:cNvSpPr>
+          <p:nvPr>
+            <p:ph type="title"/>
+          </p:nvPr>
+        </p:nvSpPr>
+        <p:spPr>
+          <a:xfrm>
+            <a:off x="899592" y="764704"/>
+            <a:ext cx="7024744" cy="648072"/>
+          </a:xfrm>
+        </p:spPr>
+        <p:txBody>
+          <a:bodyPr>
+            <a:normAutofit fontScale="90000"/>
+          </a:bodyPr>
+          <a:lstStyle/>
+          <a:p>
+            <a:r>
+              <a:rPr lang="es-AR" b="1" dirty="0" smtClean="0"/>
+              <a:t>David Huye</a:t>
+            </a:r>
+            <a:endParaRPr lang="es-AR" dirty="0"/>
+          </a:p>
+        </p:txBody>
+      </p:sp>
+      <p:sp>
+        <p:nvSpPr>
+          <p:cNvPr id="3" name="2 Marcador de contenido"/>
+          <p:cNvSpPr>
+            <a:spLocks noGrp="1"/>
+          </p:cNvSpPr>
+          <p:nvPr>
+            <p:ph idx="1"/>
+          </p:nvPr>
+        </p:nvSpPr>
+        <p:spPr>
+          <a:xfrm>
+            <a:off x="1115616" y="2060848"/>
+            <a:ext cx="6777317" cy="3220945"/>
+          </a:xfrm>
+        </p:spPr>
+        <p:txBody>
+          <a:bodyPr>
+            <a:noAutofit/>
+          </a:bodyPr>
+          <a:lstStyle/>
+          <a:p>
+            <a:r>
+              <a:rPr lang="es-AR" dirty="0" smtClean="0"/>
+              <a:t>David tiene que huir (2 Samuel 15:14)</a:t>
+            </a:r>
+          </a:p>
+          <a:p>
+            <a:endParaRPr lang="es-AR" dirty="0" smtClean="0"/>
+          </a:p>
+          <a:p>
+            <a:r>
+              <a:rPr lang="es-AR" dirty="0" smtClean="0"/>
+              <a:t>El profeta </a:t>
+            </a:r>
+            <a:r>
+              <a:rPr lang="es-AR" dirty="0" err="1" smtClean="0"/>
+              <a:t>Natan</a:t>
+            </a:r>
+            <a:r>
+              <a:rPr lang="es-AR" dirty="0" smtClean="0"/>
+              <a:t> le </a:t>
+            </a:r>
+            <a:r>
+              <a:rPr lang="es-AR" dirty="0" err="1" smtClean="0"/>
+              <a:t>habia</a:t>
+            </a:r>
+            <a:r>
+              <a:rPr lang="es-AR" dirty="0" smtClean="0"/>
+              <a:t> dicho a David que estas cosas sucederían a causa del pecado de adulterio y </a:t>
+            </a:r>
+            <a:r>
+              <a:rPr lang="es-AR" dirty="0" err="1" smtClean="0"/>
+              <a:t>asesitanto</a:t>
+            </a:r>
+            <a:r>
+              <a:rPr lang="es-AR" dirty="0" smtClean="0"/>
+              <a:t> de David 2 Samuel 12:9-11</a:t>
+            </a:r>
+          </a:p>
+          <a:p>
+            <a:pPr marL="68580" indent="0">
+              <a:buNone/>
+            </a:pPr>
+            <a:endParaRPr lang="es-AR" dirty="0" smtClean="0"/>
+          </a:p>
+          <a:p>
+            <a:pPr marL="68580" indent="0">
+              <a:buNone/>
+            </a:pPr>
+            <a:endParaRPr lang="es-AR" b="1" u="sng" dirty="0"/>
+          </a:p>
+        </p:txBody>
+      </p:sp>
+    </p:spTree>
+    <p:extLst>
+      <p:ext uri="{BB962C8B-B14F-4D97-AF65-F5344CB8AC3E}">
+        <p14:creationId xmlns:p14="http://schemas.microsoft.com/office/powerpoint/2010/main" val="3455079850"/>
+      </p:ext>
+    </p:extLst>
+  </p:cSld>
+  <p:clrMapOvr>
+    <a:masterClrMapping/>
+  </p:clrMapOvr>
+  <p:timing>
+    <p:tnLst>
+      <p:par>
+        <p:cTn id="1" dur="indefinite" restart="never" nodeType="tmRoot">
+          <p:childTnLst>
+            <p:seq concurrent="1" nextAc="seek">
+              <p:cTn id="2" dur="indefinite" nodeType="mainSeq">
+                <p:childTnLst>
+                  <p:par>
+                    <p:cTn id="3" fill="hold">
+                      <p:stCondLst>
+                        <p:cond delay="indefinite"/>
+                      </p:stCondLst>
+                      <p:childTnLst>
+                        <p:par>
+                          <p:cTn id="4" fill="hold">
+                            <p:stCondLst>
+                              <p:cond delay="0"/>
+                            </p:stCondLst>
+                            <p:childTnLst>
+                              <p:par>
+                                <p:cTn id="5" presetID="1" presetClass="entr" presetSubtype="0" fill="hold" grpId="0" nodeType="clickEffect">
+                                  <p:stCondLst>
+                                    <p:cond delay="0"/>
+                                  </p:stCondLst>
+                                  <p:childTnLst>
+                                    <p:set>
+                                      <p:cBhvr>
+                                        <p:cTn id="6" dur="1" fill="hold">
+                                          <p:stCondLst>
+                                            <p:cond delay="0"/>
+                                          </p:stCondLst>
+                                        </p:cTn>
+                                        <p:tgtEl>
+                                          <p:spTgt spid="3">
+                                            <p:txEl>
+                                              <p:pRg st="0" end="0"/>
+                                            </p:txEl>
+                                          </p:spTgt>
+                                        </p:tgtEl>
+                                        <p:attrNameLst>
+                                          <p:attrName>style.visibility</p:attrName>
+                                        </p:attrNameLst>
+                                      </p:cBhvr>
+                                      <p:to>
+                                        <p:strVal val="visible"/>
+                                      </p:to>
+                                    </p:set>
+                                  </p:childTnLst>
+                                </p:cTn>
+                              </p:par>
+                            </p:childTnLst>
+                          </p:cTn>
+                        </p:par>
+                      </p:childTnLst>
+                    </p:cTn>
+                  </p:par>
+                  <p:par>
+                    <p:cTn id="7" fill="hold">
+                      <p:stCondLst>
+                        <p:cond delay="indefinite"/>
+                      </p:stCondLst>
+                      <p:childTnLst>
+                        <p:par>
+                          <p:cTn id="8" fill="hold">
+                            <p:stCondLst>
+                              <p:cond delay="0"/>
+                            </p:stCondLst>
+                            <p:childTnLst>
+                              <p:par>
+                                <p:cTn id="9" presetID="1" presetClass="entr" presetSubtype="0" fill="hold" grpId="0" nodeType="clickEffect">
+                                  <p:stCondLst>
+                                    <p:cond delay="0"/>
+                                  </p:stCondLst>
+                                  <p:childTnLst>
+                                    <p:set>
+                                      <p:cBhvr>
+                                        <p:cTn id="10" dur="1" fill="hold">
+                                          <p:stCondLst>
+                                            <p:cond delay="0"/>
+                                          </p:stCondLst>
+                                        </p:cTn>
+                                        <p:tgtEl>
+                                          <p:spTgt spid="3">
+                                            <p:txEl>
+                                              <p:pRg st="2" end="2"/>
+                                            </p:txEl>
+                                          </p:spTgt>
+                                        </p:tgtEl>
+                                        <p:attrNameLst>
+                                          <p:attrName>style.visibility</p:attrName>
+                                        </p:attrNameLst>
+                                      </p:cBhvr>
+                                      <p:to>
+                                        <p:strVal val="visible"/>
+                                      </p:to>
+                                    </p:set>
+                                  </p:childTnLst>
+                                </p:cTn>
+                              </p:par>
+                            </p:childTnLst>
+                          </p:cTn>
+                        </p:par>
+                      </p:childTnLst>
+                    </p:cTn>
+                  </p:par>
+                </p:childTnLst>
+              </p:cTn>
+              <p:prevCondLst>
+                <p:cond evt="onPrev" delay="0">
+                  <p:tgtEl>
+                    <p:sldTgt/>
+                  </p:tgtEl>
+                </p:cond>
+              </p:prevCondLst>
+              <p:nextCondLst>
+                <p:cond evt="onNext" delay="0">
+                  <p:tgtEl>
+                    <p:sldTgt/>
+                  </p:tgtEl>
+                </p:cond>
+              </p:nextCondLst>
+            </p:seq>
+          </p:childTnLst>
+        </p:cTn>
+      </p:par>
+    </p:tnLst>
+    <p:bldLst>
+      <p:bldP spid="3" grpId="0" build="p"/>
+    </p:bldLst>
+  </p:timing>
+</p:sld>
+</file>
+
+<file path=ppt/slides/slide19.xml><?xml version="1.0" encoding="utf-8"?>
+<p:sld xmlns:a="http://schemas.openxmlformats.org/drawingml/2006/main" xmlns:r="http://schemas.openxmlformats.org/officeDocument/2006/relationships" xmlns:p="http://schemas.openxmlformats.org/presentationml/2006/main">
+  <p:cSld>
+    <p:spTree>
+      <p:nvGrpSpPr>
+        <p:cNvPr id="1" name=""/>
+        <p:cNvGrpSpPr/>
+        <p:nvPr/>
+      </p:nvGrpSpPr>
+      <p:grpSpPr>
+        <a:xfrm>
+          <a:off x="0" y="0"/>
+          <a:ext cx="0" cy="0"/>
+          <a:chOff x="0" y="0"/>
+          <a:chExt cx="0" cy="0"/>
+        </a:xfrm>
+      </p:grpSpPr>
+      <p:sp>
+        <p:nvSpPr>
+          <p:cNvPr id="2" name="1 Título"/>
+          <p:cNvSpPr>
+            <a:spLocks noGrp="1"/>
+          </p:cNvSpPr>
+          <p:nvPr>
+            <p:ph type="title"/>
+          </p:nvPr>
+        </p:nvSpPr>
+        <p:spPr>
+          <a:xfrm>
+            <a:off x="899592" y="764704"/>
+            <a:ext cx="7024744" cy="648072"/>
+          </a:xfrm>
+        </p:spPr>
+        <p:txBody>
+          <a:bodyPr>
+            <a:normAutofit fontScale="90000"/>
+          </a:bodyPr>
+          <a:lstStyle/>
+          <a:p>
+            <a:r>
+              <a:rPr lang="es-AR" b="1" dirty="0" smtClean="0"/>
+              <a:t>La muerte del rebelde</a:t>
+            </a:r>
+            <a:endParaRPr lang="es-AR" dirty="0"/>
+          </a:p>
+        </p:txBody>
+      </p:sp>
+      <p:sp>
+        <p:nvSpPr>
+          <p:cNvPr id="3" name="2 Marcador de contenido"/>
+          <p:cNvSpPr>
+            <a:spLocks noGrp="1"/>
+          </p:cNvSpPr>
+          <p:nvPr>
+            <p:ph idx="1"/>
+          </p:nvPr>
+        </p:nvSpPr>
+        <p:spPr>
+          <a:xfrm>
+            <a:off x="1115616" y="2060848"/>
+            <a:ext cx="6777317" cy="3220945"/>
+          </a:xfrm>
+        </p:spPr>
+        <p:txBody>
+          <a:bodyPr>
+            <a:noAutofit/>
+          </a:bodyPr>
+          <a:lstStyle/>
+          <a:p>
+            <a:r>
+              <a:rPr lang="es-AR" dirty="0" smtClean="0"/>
+              <a:t>David no quería matar a Absalón</a:t>
+            </a:r>
+            <a:r>
+              <a:rPr lang="es-AR" dirty="0" smtClean="0"/>
+              <a:t>.</a:t>
+            </a:r>
+          </a:p>
+          <a:p>
+            <a:r>
+              <a:rPr lang="es-AR" dirty="0" smtClean="0"/>
+              <a:t>Absalón mientras cabalgaba, su cabeza quedo atrapada en unas ramas.</a:t>
+            </a:r>
+          </a:p>
+          <a:p>
+            <a:r>
+              <a:rPr lang="es-AR" dirty="0" smtClean="0"/>
+              <a:t>El mulo siguió caminando y el quedó colgado.</a:t>
+            </a:r>
+          </a:p>
+          <a:p>
+            <a:r>
+              <a:rPr lang="es-AR" dirty="0" err="1" smtClean="0"/>
+              <a:t>Joab</a:t>
+            </a:r>
+            <a:r>
+              <a:rPr lang="es-AR" dirty="0" smtClean="0"/>
+              <a:t> mata a Absalón</a:t>
+            </a:r>
+          </a:p>
+          <a:p>
+            <a:r>
+              <a:rPr lang="es-AR" dirty="0" smtClean="0"/>
+              <a:t>David lloró por la muerte de su hijo.</a:t>
+            </a:r>
+          </a:p>
+          <a:p>
+            <a:pPr marL="68580" indent="0">
+              <a:buNone/>
+            </a:pPr>
+            <a:endParaRPr lang="es-AR" dirty="0" smtClean="0"/>
+          </a:p>
+          <a:p>
+            <a:pPr marL="68580" indent="0">
+              <a:buNone/>
+            </a:pPr>
+            <a:endParaRPr lang="es-AR" b="1" u="sng" dirty="0"/>
+          </a:p>
+        </p:txBody>
+      </p:sp>
+    </p:spTree>
+    <p:extLst>
+      <p:ext uri="{BB962C8B-B14F-4D97-AF65-F5344CB8AC3E}">
+        <p14:creationId xmlns:p14="http://schemas.microsoft.com/office/powerpoint/2010/main" val="194472934"/>
+      </p:ext>
+    </p:extLst>
+  </p:cSld>
+  <p:clrMapOvr>
+    <a:masterClrMapping/>
+  </p:clrMapOvr>
+  <p:timing>
+    <p:tnLst>
+      <p:par>
+        <p:cTn id="1" dur="indefinite" restart="never" nodeType="tmRoot">
+          <p:childTnLst>
+            <p:seq concurrent="1" nextAc="seek">
+              <p:cTn id="2" dur="indefinite" nodeType="mainSeq">
+                <p:childTnLst>
+                  <p:par>
+                    <p:cTn id="3" fill="hold">
+                      <p:stCondLst>
+                        <p:cond delay="indefinite"/>
+                      </p:stCondLst>
+                      <p:childTnLst>
+                        <p:par>
+                          <p:cTn id="4" fill="hold">
+                            <p:stCondLst>
+                              <p:cond delay="0"/>
+                            </p:stCondLst>
+                            <p:childTnLst>
+                              <p:par>
+                                <p:cTn id="5" presetID="1" presetClass="entr" presetSubtype="0" fill="hold" grpId="0" nodeType="clickEffect">
+                                  <p:stCondLst>
+                                    <p:cond delay="0"/>
+                                  </p:stCondLst>
+                                  <p:childTnLst>
+                                    <p:set>
+                                      <p:cBhvr>
+                                        <p:cTn id="6" dur="1" fill="hold">
+                                          <p:stCondLst>
+                                            <p:cond delay="0"/>
+                                          </p:stCondLst>
+                                        </p:cTn>
+                                        <p:tgtEl>
+                                          <p:spTgt spid="3">
+                                            <p:txEl>
+                                              <p:pRg st="0" end="0"/>
+                                            </p:txEl>
+                                          </p:spTgt>
+                                        </p:tgtEl>
+                                        <p:attrNameLst>
+                                          <p:attrName>style.visibility</p:attrName>
+                                        </p:attrNameLst>
+                                      </p:cBhvr>
+                                      <p:to>
+                                        <p:strVal val="visible"/>
+                                      </p:to>
+                                    </p:set>
+                                  </p:childTnLst>
+                                </p:cTn>
+                              </p:par>
+                            </p:childTnLst>
+                          </p:cTn>
+                        </p:par>
+                      </p:childTnLst>
+                    </p:cTn>
+                  </p:par>
+                  <p:par>
+                    <p:cTn id="7" fill="hold">
+                      <p:stCondLst>
+                        <p:cond delay="indefinite"/>
+                      </p:stCondLst>
+                      <p:childTnLst>
+                        <p:par>
+                          <p:cTn id="8" fill="hold">
+                            <p:stCondLst>
+                              <p:cond delay="0"/>
+                            </p:stCondLst>
+                            <p:childTnLst>
+                              <p:par>
+                                <p:cTn id="9" presetID="1" presetClass="entr" presetSubtype="0" fill="hold" grpId="0" nodeType="clickEffect">
+                                  <p:stCondLst>
+                                    <p:cond delay="0"/>
+                                  </p:stCondLst>
+                                  <p:childTnLst>
+                                    <p:set>
+                                      <p:cBhvr>
+                                        <p:cTn id="10" dur="1" fill="hold">
+                                          <p:stCondLst>
+                                            <p:cond delay="0"/>
+                                          </p:stCondLst>
+                                        </p:cTn>
+                                        <p:tgtEl>
+                                          <p:spTgt spid="3">
+                                            <p:txEl>
+                                              <p:pRg st="1" end="1"/>
+                                            </p:txEl>
+                                          </p:spTgt>
+                                        </p:tgtEl>
+                                        <p:attrNameLst>
+                                          <p:attrName>style.visibility</p:attrName>
+                                        </p:attrNameLst>
+                                      </p:cBhvr>
+                                      <p:to>
+                                        <p:strVal val="visible"/>
+                                      </p:to>
+                                    </p:set>
+                                  </p:childTnLst>
+                                </p:cTn>
+                              </p:par>
+                            </p:childTnLst>
+                          </p:cTn>
+                        </p:par>
+                      </p:childTnLst>
+                    </p:cTn>
+                  </p:par>
+                  <p:par>
+                    <p:cTn id="11" fill="hold">
+                      <p:stCondLst>
+                        <p:cond delay="indefinite"/>
+                      </p:stCondLst>
+                      <p:childTnLst>
+                        <p:par>
+                          <p:cTn id="12" fill="hold">
+                            <p:stCondLst>
+                              <p:cond delay="0"/>
+                            </p:stCondLst>
+                            <p:childTnLst>
+                              <p:par>
+                                <p:cTn id="13" presetID="1" presetClass="entr" presetSubtype="0" fill="hold" grpId="0" nodeType="clickEffect">
+                                  <p:stCondLst>
+                                    <p:cond delay="0"/>
+                                  </p:stCondLst>
+                                  <p:childTnLst>
+                                    <p:set>
+                                      <p:cBhvr>
+                                        <p:cTn id="14" dur="1" fill="hold">
+                                          <p:stCondLst>
+                                            <p:cond delay="0"/>
+                                          </p:stCondLst>
+                                        </p:cTn>
+                                        <p:tgtEl>
+                                          <p:spTgt spid="3">
+                                            <p:txEl>
+                                              <p:pRg st="2" end="2"/>
+                                            </p:txEl>
+                                          </p:spTgt>
+                                        </p:tgtEl>
+                                        <p:attrNameLst>
+                                          <p:attrName>style.visibility</p:attrName>
+                                        </p:attrNameLst>
+                                      </p:cBhvr>
+                                      <p:to>
+                                        <p:strVal val="visible"/>
+                                      </p:to>
+                                    </p:set>
+                                  </p:childTnLst>
+                                </p:cTn>
+                              </p:par>
+                            </p:childTnLst>
+                          </p:cTn>
+                        </p:par>
+                      </p:childTnLst>
+                    </p:cTn>
+                  </p:par>
+                  <p:par>
+                    <p:cTn id="15" fill="hold">
+                      <p:stCondLst>
+                        <p:cond delay="indefinite"/>
+                      </p:stCondLst>
+                      <p:childTnLst>
+                        <p:par>
+                          <p:cTn id="16" fill="hold">
+                            <p:stCondLst>
+                              <p:cond delay="0"/>
+                            </p:stCondLst>
+                            <p:childTnLst>
+                              <p:par>
+                                <p:cTn id="17" presetID="1" presetClass="entr" presetSubtype="0" fill="hold" grpId="0" nodeType="clickEffect">
+                                  <p:stCondLst>
+                                    <p:cond delay="0"/>
+                                  </p:stCondLst>
+                                  <p:childTnLst>
+                                    <p:set>
+                                      <p:cBhvr>
+                                        <p:cTn id="18" dur="1" fill="hold">
+                                          <p:stCondLst>
+                                            <p:cond delay="0"/>
+                                          </p:stCondLst>
+                                        </p:cTn>
+                                        <p:tgtEl>
+                                          <p:spTgt spid="3">
+                                            <p:txEl>
+                                              <p:pRg st="3" end="3"/>
+                                            </p:txEl>
+                                          </p:spTgt>
+                                        </p:tgtEl>
+                                        <p:attrNameLst>
+                                          <p:attrName>style.visibility</p:attrName>
+                                        </p:attrNameLst>
+                                      </p:cBhvr>
+                                      <p:to>
+                                        <p:strVal val="visible"/>
+                                      </p:to>
+                                    </p:set>
+                                  </p:childTnLst>
+                                </p:cTn>
+                              </p:par>
+                            </p:childTnLst>
+                          </p:cTn>
+                        </p:par>
+                      </p:childTnLst>
+                    </p:cTn>
+                  </p:par>
+                  <p:par>
+                    <p:cTn id="19" fill="hold">
+                      <p:stCondLst>
+                        <p:cond delay="indefinite"/>
+                      </p:stCondLst>
+                      <p:childTnLst>
+                        <p:par>
+                          <p:cTn id="20" fill="hold">
+                            <p:stCondLst>
+                              <p:cond delay="0"/>
+                            </p:stCondLst>
+                            <p:childTnLst>
+                              <p:par>
+                                <p:cTn id="21" presetID="1" presetClass="entr" presetSubtype="0" fill="hold" grpId="0" nodeType="clickEffect">
+                                  <p:stCondLst>
+                                    <p:cond delay="0"/>
+                                  </p:stCondLst>
+                                  <p:childTnLst>
+                                    <p:set>
+                                      <p:cBhvr>
+                                        <p:cTn id="22" dur="1" fill="hold">
+                                          <p:stCondLst>
+                                            <p:cond delay="0"/>
+                                          </p:stCondLst>
+                                        </p:cTn>
+                                        <p:tgtEl>
+                                          <p:spTgt spid="3">
+                                            <p:txEl>
+                                              <p:pRg st="4" end="4"/>
+                                            </p:txEl>
+                                          </p:spTgt>
+                                        </p:tgtEl>
+                                        <p:attrNameLst>
+                                          <p:attrName>style.visibility</p:attrName>
+                                        </p:attrNameLst>
+                                      </p:cBhvr>
+                                      <p:to>
+                                        <p:strVal val="visible"/>
+                                      </p:to>
+                                    </p:set>
+                                  </p:childTnLst>
+                                </p:cTn>
+                              </p:par>
+                            </p:childTnLst>
+                          </p:cTn>
+                        </p:par>
+                      </p:childTnLst>
+                    </p:cTn>
+                  </p:par>
+                </p:childTnLst>
+              </p:cTn>
+              <p:prevCondLst>
+                <p:cond evt="onPrev" delay="0">
+                  <p:tgtEl>
+                    <p:sldTgt/>
+                  </p:tgtEl>
+                </p:cond>
+              </p:prevCondLst>
+              <p:nextCondLst>
+                <p:cond evt="onNext" delay="0">
+                  <p:tgtEl>
+                    <p:sldTgt/>
+                  </p:tgtEl>
+                </p:cond>
+              </p:nextCondLst>
+            </p:seq>
+          </p:childTnLst>
+        </p:cTn>
+      </p:par>
+    </p:tnLst>
+    <p:bldLst>
+      <p:bldP spid="3" grpId="0" build="p"/>
+    </p:bldLst>
   </p:timing>
 </p:sld>
 </file>
@@ -15533,6 +16696,318 @@
     <p:bldLst>
       <p:bldP spid="3" grpId="0" build="p"/>
       <p:bldP spid="4" grpId="0"/>
+    </p:bldLst>
+  </p:timing>
+</p:sld>
+</file>
+
+<file path=ppt/slides/slide20.xml><?xml version="1.0" encoding="utf-8"?>
+<p:sld xmlns:a="http://schemas.openxmlformats.org/drawingml/2006/main" xmlns:r="http://schemas.openxmlformats.org/officeDocument/2006/relationships" xmlns:p="http://schemas.openxmlformats.org/presentationml/2006/main">
+  <p:cSld>
+    <p:spTree>
+      <p:nvGrpSpPr>
+        <p:cNvPr id="1" name=""/>
+        <p:cNvGrpSpPr/>
+        <p:nvPr/>
+      </p:nvGrpSpPr>
+      <p:grpSpPr>
+        <a:xfrm>
+          <a:off x="0" y="0"/>
+          <a:ext cx="0" cy="0"/>
+          <a:chOff x="0" y="0"/>
+          <a:chExt cx="0" cy="0"/>
+        </a:xfrm>
+      </p:grpSpPr>
+      <p:sp>
+        <p:nvSpPr>
+          <p:cNvPr id="2" name="1 Título"/>
+          <p:cNvSpPr>
+            <a:spLocks noGrp="1"/>
+          </p:cNvSpPr>
+          <p:nvPr>
+            <p:ph type="title"/>
+          </p:nvPr>
+        </p:nvSpPr>
+        <p:spPr>
+          <a:xfrm>
+            <a:off x="899592" y="836712"/>
+            <a:ext cx="7024744" cy="648072"/>
+          </a:xfrm>
+        </p:spPr>
+        <p:txBody>
+          <a:bodyPr>
+            <a:normAutofit fontScale="90000"/>
+          </a:bodyPr>
+          <a:lstStyle/>
+          <a:p>
+            <a:r>
+              <a:rPr lang="es-AR" b="1" dirty="0" smtClean="0"/>
+              <a:t>Salmo 3</a:t>
+            </a:r>
+            <a:endParaRPr lang="es-AR" dirty="0"/>
+          </a:p>
+        </p:txBody>
+      </p:sp>
+      <p:sp>
+        <p:nvSpPr>
+          <p:cNvPr id="3" name="2 Marcador de contenido"/>
+          <p:cNvSpPr>
+            <a:spLocks noGrp="1"/>
+          </p:cNvSpPr>
+          <p:nvPr>
+            <p:ph idx="1"/>
+          </p:nvPr>
+        </p:nvSpPr>
+        <p:spPr>
+          <a:xfrm>
+            <a:off x="1115616" y="2060848"/>
+            <a:ext cx="6777317" cy="3220945"/>
+          </a:xfrm>
+        </p:spPr>
+        <p:txBody>
+          <a:bodyPr>
+            <a:noAutofit/>
+          </a:bodyPr>
+          <a:lstStyle/>
+          <a:p>
+            <a:r>
+              <a:rPr lang="es-AR" dirty="0" smtClean="0"/>
+              <a:t>Un Salmo de David, cuando </a:t>
+            </a:r>
+            <a:r>
+              <a:rPr lang="es-AR" dirty="0" err="1" smtClean="0"/>
+              <a:t>huia</a:t>
+            </a:r>
+            <a:r>
+              <a:rPr lang="es-AR" dirty="0" smtClean="0"/>
+              <a:t> delante de Absalón su hijo.</a:t>
+            </a:r>
+          </a:p>
+          <a:p>
+            <a:endParaRPr lang="es-AR" dirty="0"/>
+          </a:p>
+          <a:p>
+            <a:r>
+              <a:rPr lang="es-AR" dirty="0" smtClean="0"/>
+              <a:t>Absalón desperdició su vida ¿Qué bendiciones crees que Absalón desperdició por su pecado?</a:t>
+            </a:r>
+          </a:p>
+          <a:p>
+            <a:endParaRPr lang="es-AR" dirty="0"/>
+          </a:p>
+          <a:p>
+            <a:r>
+              <a:rPr lang="es-AR" dirty="0" smtClean="0"/>
+              <a:t>¿Qué Bendiciones puedes haberte perdido tu también por </a:t>
+            </a:r>
+            <a:r>
+              <a:rPr lang="es-AR" smtClean="0"/>
+              <a:t>tus rebeliones?</a:t>
+            </a:r>
+            <a:endParaRPr lang="es-AR" dirty="0" smtClean="0"/>
+          </a:p>
+          <a:p>
+            <a:pPr marL="68580" indent="0">
+              <a:buNone/>
+            </a:pPr>
+            <a:endParaRPr lang="es-AR" dirty="0" smtClean="0"/>
+          </a:p>
+          <a:p>
+            <a:pPr marL="68580" indent="0">
+              <a:buNone/>
+            </a:pPr>
+            <a:endParaRPr lang="es-AR" b="1" u="sng" dirty="0"/>
+          </a:p>
+        </p:txBody>
+      </p:sp>
+    </p:spTree>
+    <p:extLst>
+      <p:ext uri="{BB962C8B-B14F-4D97-AF65-F5344CB8AC3E}">
+        <p14:creationId xmlns:p14="http://schemas.microsoft.com/office/powerpoint/2010/main" val="2579828342"/>
+      </p:ext>
+    </p:extLst>
+  </p:cSld>
+  <p:clrMapOvr>
+    <a:masterClrMapping/>
+  </p:clrMapOvr>
+  <p:timing>
+    <p:tnLst>
+      <p:par>
+        <p:cTn id="1" dur="indefinite" restart="never" nodeType="tmRoot">
+          <p:childTnLst>
+            <p:seq concurrent="1" nextAc="seek">
+              <p:cTn id="2" dur="indefinite" nodeType="mainSeq">
+                <p:childTnLst>
+                  <p:par>
+                    <p:cTn id="3" fill="hold">
+                      <p:stCondLst>
+                        <p:cond delay="indefinite"/>
+                      </p:stCondLst>
+                      <p:childTnLst>
+                        <p:par>
+                          <p:cTn id="4" fill="hold">
+                            <p:stCondLst>
+                              <p:cond delay="0"/>
+                            </p:stCondLst>
+                            <p:childTnLst>
+                              <p:par>
+                                <p:cTn id="5" presetID="1" presetClass="entr" presetSubtype="0" fill="hold" grpId="0" nodeType="clickEffect">
+                                  <p:stCondLst>
+                                    <p:cond delay="0"/>
+                                  </p:stCondLst>
+                                  <p:childTnLst>
+                                    <p:set>
+                                      <p:cBhvr>
+                                        <p:cTn id="6" dur="1" fill="hold">
+                                          <p:stCondLst>
+                                            <p:cond delay="0"/>
+                                          </p:stCondLst>
+                                        </p:cTn>
+                                        <p:tgtEl>
+                                          <p:spTgt spid="3">
+                                            <p:txEl>
+                                              <p:pRg st="0" end="0"/>
+                                            </p:txEl>
+                                          </p:spTgt>
+                                        </p:tgtEl>
+                                        <p:attrNameLst>
+                                          <p:attrName>style.visibility</p:attrName>
+                                        </p:attrNameLst>
+                                      </p:cBhvr>
+                                      <p:to>
+                                        <p:strVal val="visible"/>
+                                      </p:to>
+                                    </p:set>
+                                  </p:childTnLst>
+                                </p:cTn>
+                              </p:par>
+                            </p:childTnLst>
+                          </p:cTn>
+                        </p:par>
+                      </p:childTnLst>
+                    </p:cTn>
+                  </p:par>
+                  <p:par>
+                    <p:cTn id="7" fill="hold">
+                      <p:stCondLst>
+                        <p:cond delay="indefinite"/>
+                      </p:stCondLst>
+                      <p:childTnLst>
+                        <p:par>
+                          <p:cTn id="8" fill="hold">
+                            <p:stCondLst>
+                              <p:cond delay="0"/>
+                            </p:stCondLst>
+                            <p:childTnLst>
+                              <p:par>
+                                <p:cTn id="9" presetID="1" presetClass="entr" presetSubtype="0" fill="hold" grpId="0" nodeType="clickEffect">
+                                  <p:stCondLst>
+                                    <p:cond delay="0"/>
+                                  </p:stCondLst>
+                                  <p:childTnLst>
+                                    <p:set>
+                                      <p:cBhvr>
+                                        <p:cTn id="10" dur="1" fill="hold">
+                                          <p:stCondLst>
+                                            <p:cond delay="0"/>
+                                          </p:stCondLst>
+                                        </p:cTn>
+                                        <p:tgtEl>
+                                          <p:spTgt spid="3">
+                                            <p:txEl>
+                                              <p:pRg st="2" end="2"/>
+                                            </p:txEl>
+                                          </p:spTgt>
+                                        </p:tgtEl>
+                                        <p:attrNameLst>
+                                          <p:attrName>style.visibility</p:attrName>
+                                        </p:attrNameLst>
+                                      </p:cBhvr>
+                                      <p:to>
+                                        <p:strVal val="visible"/>
+                                      </p:to>
+                                    </p:set>
+                                  </p:childTnLst>
+                                </p:cTn>
+                              </p:par>
+                            </p:childTnLst>
+                          </p:cTn>
+                        </p:par>
+                      </p:childTnLst>
+                    </p:cTn>
+                  </p:par>
+                  <p:par>
+                    <p:cTn id="11" fill="hold">
+                      <p:stCondLst>
+                        <p:cond delay="indefinite"/>
+                      </p:stCondLst>
+                      <p:childTnLst>
+                        <p:par>
+                          <p:cTn id="12" fill="hold">
+                            <p:stCondLst>
+                              <p:cond delay="0"/>
+                            </p:stCondLst>
+                            <p:childTnLst>
+                              <p:par>
+                                <p:cTn id="13" presetID="1" presetClass="entr" presetSubtype="0" fill="hold" grpId="0" nodeType="clickEffect">
+                                  <p:stCondLst>
+                                    <p:cond delay="0"/>
+                                  </p:stCondLst>
+                                  <p:childTnLst>
+                                    <p:set>
+                                      <p:cBhvr>
+                                        <p:cTn id="14" dur="1" fill="hold">
+                                          <p:stCondLst>
+                                            <p:cond delay="0"/>
+                                          </p:stCondLst>
+                                        </p:cTn>
+                                        <p:tgtEl>
+                                          <p:spTgt spid="3">
+                                            <p:txEl>
+                                              <p:pRg st="4" end="4"/>
+                                            </p:txEl>
+                                          </p:spTgt>
+                                        </p:tgtEl>
+                                        <p:attrNameLst>
+                                          <p:attrName>style.visibility</p:attrName>
+                                        </p:attrNameLst>
+                                      </p:cBhvr>
+                                      <p:to>
+                                        <p:strVal val="visible"/>
+                                      </p:to>
+                                    </p:set>
+                                  </p:childTnLst>
+                                </p:cTn>
+                              </p:par>
+                            </p:childTnLst>
+                          </p:cTn>
+                        </p:par>
+                      </p:childTnLst>
+                    </p:cTn>
+                  </p:par>
+                </p:childTnLst>
+              </p:cTn>
+              <p:prevCondLst>
+                <p:cond evt="onPrev" delay="0">
+                  <p:tgtEl>
+                    <p:sldTgt/>
+                  </p:tgtEl>
+                </p:cond>
+              </p:prevCondLst>
+              <p:nextCondLst>
+                <p:cond evt="onNext" delay="0">
+                  <p:tgtEl>
+                    <p:sldTgt/>
+                  </p:tgtEl>
+                </p:cond>
+              </p:nextCondLst>
+            </p:seq>
+          </p:childTnLst>
+        </p:cTn>
+      </p:par>
+    </p:tnLst>
+    <p:bldLst>
+      <p:bldP spid="3" grpId="0" build="p"/>
     </p:bldLst>
   </p:timing>
 </p:sld>
